--- a/Presentation_PHP.pptx
+++ b/Presentation_PHP.pptx
@@ -11,6 +11,7 @@
     <p:sldId id="259" r:id="rId5"/>
     <p:sldId id="260" r:id="rId6"/>
     <p:sldId id="261" r:id="rId7"/>
+    <p:sldId id="262" r:id="rId8"/>
   </p:sldIdLst>
   <p:sldSz cx="12192000" cy="6858000"/>
   <p:notesSz cx="6858000" cy="9144000"/>
@@ -109,7 +110,16 @@
       </a:defRPr>
     </a:lvl9pPr>
   </p:defaultTextStyle>
+  <p:extLst>
+    <p:ext uri="{EFAFB233-063F-42B5-8137-9DF3F51BA10A}">
+      <p15:sldGuideLst xmlns:p15="http://schemas.microsoft.com/office/powerpoint/2012/main"/>
+    </p:ext>
+  </p:extLst>
 </p:presentation>
+</file>
+
+<file path=ppt/revisionInfo.xml><?xml version="1.0" encoding="utf-8"?>
+<p1510:revInfo xmlns:a="http://schemas.openxmlformats.org/drawingml/2006/main" xmlns:r="http://schemas.openxmlformats.org/officeDocument/2006/relationships" xmlns:p1510="http://schemas.microsoft.com/office/powerpoint/2015/10/main"/>
 </file>
 
 <file path=ppt/slideLayouts/slideLayout1.xml><?xml version="1.0" encoding="utf-8"?>
@@ -6040,7 +6050,7 @@
           <a:p>
             <a:r>
               <a:rPr lang="fr-FR" dirty="0"/>
-              <a:t>Tech-Deals </a:t>
+              <a:t> </a:t>
             </a:r>
           </a:p>
         </p:txBody>
@@ -6113,10 +6123,10 @@
       </p:sp>
       <p:pic>
         <p:nvPicPr>
-          <p:cNvPr id="9" name="Image 8">
+          <p:cNvPr id="5" name="Image 4">
             <a:extLst>
               <a:ext uri="{FF2B5EF4-FFF2-40B4-BE49-F238E27FC236}">
-                <a16:creationId xmlns:a16="http://schemas.microsoft.com/office/drawing/2014/main" id="{0187C9EE-A197-45EA-993F-1B87FB669289}"/>
+                <a16:creationId xmlns:a16="http://schemas.microsoft.com/office/drawing/2014/main" id="{984A8330-58CD-4A82-85CA-98D8E6A6E158}"/>
               </a:ext>
             </a:extLst>
           </p:cNvPr>
@@ -6139,8 +6149,8 @@
         </p:blipFill>
         <p:spPr>
           <a:xfrm>
-            <a:off x="4026266" y="5248632"/>
-            <a:ext cx="3181526" cy="1172142"/>
+            <a:off x="2976647" y="1768872"/>
+            <a:ext cx="6238706" cy="2523211"/>
           </a:xfrm>
           <a:prstGeom prst="rect">
             <a:avLst/>
@@ -6693,6 +6703,69 @@
     <p:extLst>
       <p:ext uri="{BB962C8B-B14F-4D97-AF65-F5344CB8AC3E}">
         <p14:creationId xmlns:p14="http://schemas.microsoft.com/office/powerpoint/2010/main" val="172524125"/>
+      </p:ext>
+    </p:extLst>
+  </p:cSld>
+  <p:clrMapOvr>
+    <a:masterClrMapping/>
+  </p:clrMapOvr>
+</p:sld>
+</file>
+
+<file path=ppt/slides/slide7.xml><?xml version="1.0" encoding="utf-8"?>
+<p:sld xmlns:a="http://schemas.openxmlformats.org/drawingml/2006/main" xmlns:r="http://schemas.openxmlformats.org/officeDocument/2006/relationships" xmlns:p="http://schemas.openxmlformats.org/presentationml/2006/main">
+  <p:cSld>
+    <p:spTree>
+      <p:nvGrpSpPr>
+        <p:cNvPr id="1" name=""/>
+        <p:cNvGrpSpPr/>
+        <p:nvPr/>
+      </p:nvGrpSpPr>
+      <p:grpSpPr>
+        <a:xfrm>
+          <a:off x="0" y="0"/>
+          <a:ext cx="0" cy="0"/>
+          <a:chOff x="0" y="0"/>
+          <a:chExt cx="0" cy="0"/>
+        </a:xfrm>
+      </p:grpSpPr>
+      <p:sp>
+        <p:nvSpPr>
+          <p:cNvPr id="2" name="Titre 1">
+            <a:extLst>
+              <a:ext uri="{FF2B5EF4-FFF2-40B4-BE49-F238E27FC236}">
+                <a16:creationId xmlns:a16="http://schemas.microsoft.com/office/drawing/2014/main" id="{F1C7D5DA-0842-4CAE-BF62-42D416F14B98}"/>
+              </a:ext>
+            </a:extLst>
+          </p:cNvPr>
+          <p:cNvSpPr>
+            <a:spLocks noGrp="1"/>
+          </p:cNvSpPr>
+          <p:nvPr>
+            <p:ph type="title"/>
+          </p:nvPr>
+        </p:nvSpPr>
+        <p:spPr>
+          <a:xfrm>
+            <a:off x="1462856" y="3062753"/>
+            <a:ext cx="9404723" cy="1400530"/>
+          </a:xfrm>
+        </p:spPr>
+        <p:txBody>
+          <a:bodyPr/>
+          <a:lstStyle/>
+          <a:p>
+            <a:r>
+              <a:rPr lang="fr-FR" dirty="0"/>
+              <a:t>Merci de nous avoir écouté </a:t>
+            </a:r>
+          </a:p>
+        </p:txBody>
+      </p:sp>
+    </p:spTree>
+    <p:extLst>
+      <p:ext uri="{BB962C8B-B14F-4D97-AF65-F5344CB8AC3E}">
+        <p14:creationId xmlns:p14="http://schemas.microsoft.com/office/powerpoint/2010/main" val="806494851"/>
       </p:ext>
     </p:extLst>
   </p:cSld>
